--- a/Automated_KYC_System_Presentation.pptx
+++ b/Automated_KYC_System_Presentation.pptx
@@ -10,7 +10,9 @@
     <p:sldId id="258" r:id="rId4"/>
     <p:sldId id="259" r:id="rId5"/>
     <p:sldId id="260" r:id="rId6"/>
-    <p:sldId id="261" r:id="rId7"/>
+    <p:sldId id="262" r:id="rId7"/>
+    <p:sldId id="263" r:id="rId8"/>
+    <p:sldId id="261" r:id="rId9"/>
   </p:sldIdLst>
   <p:sldSz cx="12192000" cy="6858000"/>
   <p:notesSz cx="6858000" cy="9144000"/>
@@ -21945,6 +21947,848 @@
   <p:cSld>
     <p:bg>
       <p:bgPr>
+        <a:solidFill>
+          <a:schemeClr val="bg1"/>
+        </a:solidFill>
+        <a:effectLst/>
+      </p:bgPr>
+    </p:bg>
+    <p:spTree>
+      <p:nvGrpSpPr>
+        <p:cNvPr id="1" name=""/>
+        <p:cNvGrpSpPr/>
+        <p:nvPr/>
+      </p:nvGrpSpPr>
+      <p:grpSpPr>
+        <a:xfrm>
+          <a:off x="0" y="0"/>
+          <a:ext cx="0" cy="0"/>
+          <a:chOff x="0" y="0"/>
+          <a:chExt cx="0" cy="0"/>
+        </a:xfrm>
+      </p:grpSpPr>
+      <p:pic>
+        <p:nvPicPr>
+          <p:cNvPr id="9" name="Picture 8">
+            <a:extLst>
+              <a:ext uri="{FF2B5EF4-FFF2-40B4-BE49-F238E27FC236}">
+                <a16:creationId xmlns:a16="http://schemas.microsoft.com/office/drawing/2014/main" id="{5321D838-2C7E-4177-9DD3-DAC78324A2B2}"/>
+              </a:ext>
+              <a:ext uri="{C183D7F6-B498-43B3-948B-1728B52AA6E4}">
+                <adec:decorative xmlns:adec="http://schemas.microsoft.com/office/drawing/2017/decorative" val="1"/>
+              </a:ext>
+            </a:extLst>
+          </p:cNvPr>
+          <p:cNvPicPr>
+            <a:picLocks noGrp="1" noRot="1" noChangeAspect="1" noMove="1" noResize="1" noEditPoints="1" noAdjustHandles="1" noChangeArrowheads="1" noChangeShapeType="1" noCrop="1"/>
+          </p:cNvPicPr>
+          <p:nvPr>
+            <p:extLst>
+              <p:ext uri="{386F3935-93C4-4BCD-93E2-E3B085C9AB24}">
+                <p16:designElem xmlns:p16="http://schemas.microsoft.com/office/powerpoint/2015/main" val="1"/>
+              </p:ext>
+            </p:extLst>
+          </p:nvPr>
+        </p:nvPicPr>
+        <p:blipFill>
+          <a:blip r:embed="rId2">
+            <a:alphaModFix amt="10000"/>
+            <a:extLst>
+              <a:ext uri="{28A0092B-C50C-407E-A947-70E740481C1C}">
+                <a14:useLocalDpi xmlns:a14="http://schemas.microsoft.com/office/drawing/2010/main" val="0"/>
+              </a:ext>
+            </a:extLst>
+          </a:blip>
+          <a:stretch>
+            <a:fillRect/>
+          </a:stretch>
+        </p:blipFill>
+        <p:spPr>
+          <a:xfrm>
+            <a:off x="0" y="0"/>
+            <a:ext cx="12192000" cy="6858000"/>
+          </a:xfrm>
+          <a:prstGeom prst="rect">
+            <a:avLst/>
+          </a:prstGeom>
+        </p:spPr>
+      </p:pic>
+      <p:pic>
+        <p:nvPicPr>
+          <p:cNvPr id="11" name="Picture 10">
+            <a:extLst>
+              <a:ext uri="{FF2B5EF4-FFF2-40B4-BE49-F238E27FC236}">
+                <a16:creationId xmlns:a16="http://schemas.microsoft.com/office/drawing/2014/main" id="{0146E45C-1450-4186-B501-74F221F897A8}"/>
+              </a:ext>
+              <a:ext uri="{C183D7F6-B498-43B3-948B-1728B52AA6E4}">
+                <adec:decorative xmlns:adec="http://schemas.microsoft.com/office/drawing/2017/decorative" val="1"/>
+              </a:ext>
+            </a:extLst>
+          </p:cNvPr>
+          <p:cNvPicPr>
+            <a:picLocks noGrp="1" noRot="1" noChangeAspect="1" noMove="1" noResize="1" noEditPoints="1" noAdjustHandles="1" noChangeArrowheads="1" noChangeShapeType="1" noCrop="1"/>
+          </p:cNvPicPr>
+          <p:nvPr>
+            <p:extLst>
+              <p:ext uri="{386F3935-93C4-4BCD-93E2-E3B085C9AB24}">
+                <p16:designElem xmlns:p16="http://schemas.microsoft.com/office/powerpoint/2015/main" val="1"/>
+              </p:ext>
+            </p:extLst>
+          </p:nvPr>
+        </p:nvPicPr>
+        <p:blipFill>
+          <a:blip r:embed="rId3">
+            <a:extLst>
+              <a:ext uri="{28A0092B-C50C-407E-A947-70E740481C1C}">
+                <a14:useLocalDpi xmlns:a14="http://schemas.microsoft.com/office/drawing/2010/main" val="0"/>
+              </a:ext>
+            </a:extLst>
+          </a:blip>
+          <a:stretch>
+            <a:fillRect/>
+          </a:stretch>
+        </p:blipFill>
+        <p:spPr>
+          <a:xfrm>
+            <a:off x="1" y="4242851"/>
+            <a:ext cx="8968084" cy="275942"/>
+          </a:xfrm>
+          <a:prstGeom prst="rect">
+            <a:avLst/>
+          </a:prstGeom>
+        </p:spPr>
+      </p:pic>
+      <p:pic>
+        <p:nvPicPr>
+          <p:cNvPr id="13" name="Picture 12">
+            <a:extLst>
+              <a:ext uri="{FF2B5EF4-FFF2-40B4-BE49-F238E27FC236}">
+                <a16:creationId xmlns:a16="http://schemas.microsoft.com/office/drawing/2014/main" id="{EEDDA48B-BC04-4915-ADA3-A1A9522EB0D1}"/>
+              </a:ext>
+              <a:ext uri="{C183D7F6-B498-43B3-948B-1728B52AA6E4}">
+                <adec:decorative xmlns:adec="http://schemas.microsoft.com/office/drawing/2017/decorative" val="1"/>
+              </a:ext>
+            </a:extLst>
+          </p:cNvPr>
+          <p:cNvPicPr>
+            <a:picLocks noGrp="1" noRot="1" noChangeAspect="1" noMove="1" noResize="1" noEditPoints="1" noAdjustHandles="1" noChangeArrowheads="1" noChangeShapeType="1" noCrop="1"/>
+          </p:cNvPicPr>
+          <p:nvPr>
+            <p:extLst>
+              <p:ext uri="{386F3935-93C4-4BCD-93E2-E3B085C9AB24}">
+                <p16:designElem xmlns:p16="http://schemas.microsoft.com/office/powerpoint/2015/main" val="1"/>
+              </p:ext>
+            </p:extLst>
+          </p:nvPr>
+        </p:nvPicPr>
+        <p:blipFill>
+          <a:blip r:embed="rId4">
+            <a:extLst>
+              <a:ext uri="{28A0092B-C50C-407E-A947-70E740481C1C}">
+                <a14:useLocalDpi xmlns:a14="http://schemas.microsoft.com/office/drawing/2010/main" val="0"/>
+              </a:ext>
+            </a:extLst>
+          </a:blip>
+          <a:stretch>
+            <a:fillRect/>
+          </a:stretch>
+        </p:blipFill>
+        <p:spPr>
+          <a:xfrm>
+            <a:off x="9111716" y="4243845"/>
+            <a:ext cx="3077108" cy="276940"/>
+          </a:xfrm>
+          <a:prstGeom prst="rect">
+            <a:avLst/>
+          </a:prstGeom>
+        </p:spPr>
+      </p:pic>
+      <p:sp>
+        <p:nvSpPr>
+          <p:cNvPr id="15" name="Rectangle 14">
+            <a:extLst>
+              <a:ext uri="{FF2B5EF4-FFF2-40B4-BE49-F238E27FC236}">
+                <a16:creationId xmlns:a16="http://schemas.microsoft.com/office/drawing/2014/main" id="{78C9D07A-5A22-4E55-B18A-47CF07E5080D}"/>
+              </a:ext>
+              <a:ext uri="{C183D7F6-B498-43B3-948B-1728B52AA6E4}">
+                <adec:decorative xmlns:adec="http://schemas.microsoft.com/office/drawing/2017/decorative" val="1"/>
+              </a:ext>
+            </a:extLst>
+          </p:cNvPr>
+          <p:cNvSpPr>
+            <a:spLocks noGrp="1" noRot="1" noChangeAspect="1" noMove="1" noResize="1" noEditPoints="1" noAdjustHandles="1" noChangeArrowheads="1" noChangeShapeType="1" noTextEdit="1"/>
+          </p:cNvSpPr>
+          <p:nvPr>
+            <p:extLst>
+              <p:ext uri="{386F3935-93C4-4BCD-93E2-E3B085C9AB24}">
+                <p16:designElem xmlns:p16="http://schemas.microsoft.com/office/powerpoint/2015/main" val="1"/>
+              </p:ext>
+            </p:extLst>
+          </p:nvPr>
+        </p:nvSpPr>
+        <p:spPr>
+          <a:xfrm>
+            <a:off x="0" y="2590078"/>
+            <a:ext cx="8968085" cy="1660332"/>
+          </a:xfrm>
+          <a:prstGeom prst="rect">
+            <a:avLst/>
+          </a:prstGeom>
+          <a:solidFill>
+            <a:schemeClr val="bg1">
+              <a:lumMod val="85000"/>
+              <a:lumOff val="15000"/>
+            </a:schemeClr>
+          </a:solidFill>
+          <a:ln>
+            <a:noFill/>
+          </a:ln>
+        </p:spPr>
+        <p:style>
+          <a:lnRef idx="2">
+            <a:schemeClr val="accent1">
+              <a:shade val="50000"/>
+            </a:schemeClr>
+          </a:lnRef>
+          <a:fillRef idx="1">
+            <a:schemeClr val="accent1"/>
+          </a:fillRef>
+          <a:effectRef idx="0">
+            <a:schemeClr val="accent1"/>
+          </a:effectRef>
+          <a:fontRef idx="minor">
+            <a:schemeClr val="lt1"/>
+          </a:fontRef>
+        </p:style>
+        <p:txBody>
+          <a:bodyPr/>
+          <a:lstStyle/>
+          <a:p>
+            <a:endParaRPr lang="en-US"/>
+          </a:p>
+        </p:txBody>
+      </p:sp>
+      <p:sp>
+        <p:nvSpPr>
+          <p:cNvPr id="17" name="Rectangle 16">
+            <a:extLst>
+              <a:ext uri="{FF2B5EF4-FFF2-40B4-BE49-F238E27FC236}">
+                <a16:creationId xmlns:a16="http://schemas.microsoft.com/office/drawing/2014/main" id="{3D71E629-0739-4A59-972B-A9E9A4500E31}"/>
+              </a:ext>
+              <a:ext uri="{C183D7F6-B498-43B3-948B-1728B52AA6E4}">
+                <adec:decorative xmlns:adec="http://schemas.microsoft.com/office/drawing/2017/decorative" val="1"/>
+              </a:ext>
+            </a:extLst>
+          </p:cNvPr>
+          <p:cNvSpPr>
+            <a:spLocks noGrp="1" noRot="1" noChangeAspect="1" noMove="1" noResize="1" noEditPoints="1" noAdjustHandles="1" noChangeArrowheads="1" noChangeShapeType="1" noTextEdit="1"/>
+          </p:cNvSpPr>
+          <p:nvPr>
+            <p:extLst>
+              <p:ext uri="{386F3935-93C4-4BCD-93E2-E3B085C9AB24}">
+                <p16:designElem xmlns:p16="http://schemas.microsoft.com/office/powerpoint/2015/main" val="1"/>
+              </p:ext>
+            </p:extLst>
+          </p:nvPr>
+        </p:nvSpPr>
+        <p:spPr>
+          <a:xfrm>
+            <a:off x="9111715" y="2590078"/>
+            <a:ext cx="3077109" cy="1660332"/>
+          </a:xfrm>
+          <a:prstGeom prst="rect">
+            <a:avLst/>
+          </a:prstGeom>
+          <a:solidFill>
+            <a:schemeClr val="accent1"/>
+          </a:solidFill>
+          <a:ln>
+            <a:noFill/>
+          </a:ln>
+        </p:spPr>
+        <p:style>
+          <a:lnRef idx="2">
+            <a:schemeClr val="accent1">
+              <a:shade val="50000"/>
+            </a:schemeClr>
+          </a:lnRef>
+          <a:fillRef idx="1">
+            <a:schemeClr val="accent1"/>
+          </a:fillRef>
+          <a:effectRef idx="0">
+            <a:schemeClr val="accent1"/>
+          </a:effectRef>
+          <a:fontRef idx="minor">
+            <a:schemeClr val="lt1"/>
+          </a:fontRef>
+        </p:style>
+        <p:txBody>
+          <a:bodyPr/>
+          <a:lstStyle/>
+          <a:p>
+            <a:endParaRPr lang="en-US"/>
+          </a:p>
+        </p:txBody>
+      </p:sp>
+      <p:pic>
+        <p:nvPicPr>
+          <p:cNvPr id="19" name="Picture 18">
+            <a:extLst>
+              <a:ext uri="{FF2B5EF4-FFF2-40B4-BE49-F238E27FC236}">
+                <a16:creationId xmlns:a16="http://schemas.microsoft.com/office/drawing/2014/main" id="{AF9C2BBD-AAF7-4C85-9BE4-E4C2F52353FF}"/>
+              </a:ext>
+              <a:ext uri="{C183D7F6-B498-43B3-948B-1728B52AA6E4}">
+                <adec:decorative xmlns:adec="http://schemas.microsoft.com/office/drawing/2017/decorative" val="1"/>
+              </a:ext>
+            </a:extLst>
+          </p:cNvPr>
+          <p:cNvPicPr>
+            <a:picLocks noGrp="1" noRot="1" noChangeAspect="1" noMove="1" noResize="1" noEditPoints="1" noAdjustHandles="1" noChangeArrowheads="1" noChangeShapeType="1" noCrop="1"/>
+          </p:cNvPicPr>
+          <p:nvPr>
+            <p:extLst>
+              <p:ext uri="{386F3935-93C4-4BCD-93E2-E3B085C9AB24}">
+                <p16:designElem xmlns:p16="http://schemas.microsoft.com/office/powerpoint/2015/main" val="1"/>
+              </p:ext>
+            </p:extLst>
+          </p:nvPr>
+        </p:nvPicPr>
+        <p:blipFill>
+          <a:blip r:embed="rId2">
+            <a:alphaModFix amt="10000"/>
+            <a:extLst>
+              <a:ext uri="{28A0092B-C50C-407E-A947-70E740481C1C}">
+                <a14:useLocalDpi xmlns:a14="http://schemas.microsoft.com/office/drawing/2010/main" val="0"/>
+              </a:ext>
+            </a:extLst>
+          </a:blip>
+          <a:stretch>
+            <a:fillRect/>
+          </a:stretch>
+        </p:blipFill>
+        <p:spPr>
+          <a:xfrm>
+            <a:off x="0" y="0"/>
+            <a:ext cx="12192000" cy="6858000"/>
+          </a:xfrm>
+          <a:prstGeom prst="rect">
+            <a:avLst/>
+          </a:prstGeom>
+          <a:gradFill>
+            <a:gsLst>
+              <a:gs pos="0">
+                <a:srgbClr val="F78925"/>
+              </a:gs>
+              <a:gs pos="50000">
+                <a:srgbClr val="D54209"/>
+              </a:gs>
+              <a:gs pos="100000">
+                <a:srgbClr val="8D0000"/>
+              </a:gs>
+            </a:gsLst>
+            <a:lin ang="2520000" scaled="0"/>
+          </a:gradFill>
+        </p:spPr>
+      </p:pic>
+      <p:pic>
+        <p:nvPicPr>
+          <p:cNvPr id="21" name="Picture 20">
+            <a:extLst>
+              <a:ext uri="{FF2B5EF4-FFF2-40B4-BE49-F238E27FC236}">
+                <a16:creationId xmlns:a16="http://schemas.microsoft.com/office/drawing/2014/main" id="{AEEF8B78-E487-4E1A-8945-35B4041B02A3}"/>
+              </a:ext>
+              <a:ext uri="{C183D7F6-B498-43B3-948B-1728B52AA6E4}">
+                <adec:decorative xmlns:adec="http://schemas.microsoft.com/office/drawing/2017/decorative" val="1"/>
+              </a:ext>
+            </a:extLst>
+          </p:cNvPr>
+          <p:cNvPicPr>
+            <a:picLocks noGrp="1" noRot="1" noChangeAspect="1" noMove="1" noResize="1" noEditPoints="1" noAdjustHandles="1" noChangeArrowheads="1" noChangeShapeType="1" noCrop="1"/>
+          </p:cNvPicPr>
+          <p:nvPr>
+            <p:extLst>
+              <p:ext uri="{386F3935-93C4-4BCD-93E2-E3B085C9AB24}">
+                <p16:designElem xmlns:p16="http://schemas.microsoft.com/office/powerpoint/2015/main" val="1"/>
+              </p:ext>
+            </p:extLst>
+          </p:nvPr>
+        </p:nvPicPr>
+        <p:blipFill>
+          <a:blip r:embed="rId2">
+            <a:alphaModFix amt="10000"/>
+            <a:extLst>
+              <a:ext uri="{28A0092B-C50C-407E-A947-70E740481C1C}">
+                <a14:useLocalDpi xmlns:a14="http://schemas.microsoft.com/office/drawing/2010/main" val="0"/>
+              </a:ext>
+            </a:extLst>
+          </a:blip>
+          <a:stretch>
+            <a:fillRect/>
+          </a:stretch>
+        </p:blipFill>
+        <p:spPr>
+          <a:xfrm>
+            <a:off x="0" y="0"/>
+            <a:ext cx="12192000" cy="6858000"/>
+          </a:xfrm>
+          <a:prstGeom prst="rect">
+            <a:avLst/>
+          </a:prstGeom>
+        </p:spPr>
+      </p:pic>
+      <p:sp>
+        <p:nvSpPr>
+          <p:cNvPr id="23" name="Rectangle 22">
+            <a:extLst>
+              <a:ext uri="{FF2B5EF4-FFF2-40B4-BE49-F238E27FC236}">
+                <a16:creationId xmlns:a16="http://schemas.microsoft.com/office/drawing/2014/main" id="{B9B4F0B3-5A15-4AAD-B054-8BA92098722A}"/>
+              </a:ext>
+              <a:ext uri="{C183D7F6-B498-43B3-948B-1728B52AA6E4}">
+                <adec:decorative xmlns:adec="http://schemas.microsoft.com/office/drawing/2017/decorative" val="1"/>
+              </a:ext>
+            </a:extLst>
+          </p:cNvPr>
+          <p:cNvSpPr>
+            <a:spLocks noGrp="1" noRot="1" noChangeAspect="1" noMove="1" noResize="1" noEditPoints="1" noAdjustHandles="1" noChangeArrowheads="1" noChangeShapeType="1" noTextEdit="1"/>
+          </p:cNvSpPr>
+          <p:nvPr>
+            <p:extLst>
+              <p:ext uri="{386F3935-93C4-4BCD-93E2-E3B085C9AB24}">
+                <p16:designElem xmlns:p16="http://schemas.microsoft.com/office/powerpoint/2015/main" val="1"/>
+              </p:ext>
+            </p:extLst>
+          </p:nvPr>
+        </p:nvSpPr>
+        <p:spPr>
+          <a:xfrm>
+            <a:off x="4644527" y="0"/>
+            <a:ext cx="7552944" cy="6858001"/>
+          </a:xfrm>
+          <a:prstGeom prst="rect">
+            <a:avLst/>
+          </a:prstGeom>
+          <a:ln>
+            <a:noFill/>
+          </a:ln>
+        </p:spPr>
+        <p:style>
+          <a:lnRef idx="2">
+            <a:schemeClr val="accent1">
+              <a:shade val="50000"/>
+            </a:schemeClr>
+          </a:lnRef>
+          <a:fillRef idx="1">
+            <a:schemeClr val="accent1"/>
+          </a:fillRef>
+          <a:effectRef idx="0">
+            <a:schemeClr val="accent1"/>
+          </a:effectRef>
+          <a:fontRef idx="minor">
+            <a:schemeClr val="lt1"/>
+          </a:fontRef>
+        </p:style>
+        <p:txBody>
+          <a:bodyPr rtlCol="0" anchor="ctr"/>
+          <a:lstStyle/>
+          <a:p>
+            <a:pPr algn="ctr"/>
+            <a:endParaRPr lang="en-US"/>
+          </a:p>
+        </p:txBody>
+      </p:sp>
+      <p:pic>
+        <p:nvPicPr>
+          <p:cNvPr id="25" name="Picture 24">
+            <a:extLst>
+              <a:ext uri="{FF2B5EF4-FFF2-40B4-BE49-F238E27FC236}">
+                <a16:creationId xmlns:a16="http://schemas.microsoft.com/office/drawing/2014/main" id="{CCA43FE3-BC3A-4163-B2D9-721AA0F6F4D9}"/>
+              </a:ext>
+              <a:ext uri="{C183D7F6-B498-43B3-948B-1728B52AA6E4}">
+                <adec:decorative xmlns:adec="http://schemas.microsoft.com/office/drawing/2017/decorative" val="1"/>
+              </a:ext>
+            </a:extLst>
+          </p:cNvPr>
+          <p:cNvPicPr>
+            <a:picLocks noGrp="1" noRot="1" noChangeAspect="1" noMove="1" noResize="1" noEditPoints="1" noAdjustHandles="1" noChangeArrowheads="1" noChangeShapeType="1" noCrop="1"/>
+          </p:cNvPicPr>
+          <p:nvPr>
+            <p:extLst>
+              <p:ext uri="{386F3935-93C4-4BCD-93E2-E3B085C9AB24}">
+                <p16:designElem xmlns:p16="http://schemas.microsoft.com/office/powerpoint/2015/main" val="1"/>
+              </p:ext>
+            </p:extLst>
+          </p:nvPr>
+        </p:nvPicPr>
+        <p:blipFill>
+          <a:blip r:embed="rId5" cstate="print">
+            <a:extLst>
+              <a:ext uri="{28A0092B-C50C-407E-A947-70E740481C1C}">
+                <a14:useLocalDpi xmlns:a14="http://schemas.microsoft.com/office/drawing/2010/main" val="0"/>
+              </a:ext>
+            </a:extLst>
+          </a:blip>
+          <a:stretch>
+            <a:fillRect/>
+          </a:stretch>
+        </p:blipFill>
+        <p:spPr>
+          <a:xfrm>
+            <a:off x="1" y="5006045"/>
+            <a:ext cx="4965192" cy="144049"/>
+          </a:xfrm>
+          <a:prstGeom prst="rect">
+            <a:avLst/>
+          </a:prstGeom>
+        </p:spPr>
+      </p:pic>
+      <p:sp>
+        <p:nvSpPr>
+          <p:cNvPr id="27" name="Rectangle 26">
+            <a:extLst>
+              <a:ext uri="{FF2B5EF4-FFF2-40B4-BE49-F238E27FC236}">
+                <a16:creationId xmlns:a16="http://schemas.microsoft.com/office/drawing/2014/main" id="{488AAD42-9F71-4F14-AE1E-C05DCFC60600}"/>
+              </a:ext>
+              <a:ext uri="{C183D7F6-B498-43B3-948B-1728B52AA6E4}">
+                <adec:decorative xmlns:adec="http://schemas.microsoft.com/office/drawing/2017/decorative" val="1"/>
+              </a:ext>
+            </a:extLst>
+          </p:cNvPr>
+          <p:cNvSpPr>
+            <a:spLocks noGrp="1" noRot="1" noChangeAspect="1" noMove="1" noResize="1" noEditPoints="1" noAdjustHandles="1" noChangeArrowheads="1" noChangeShapeType="1" noTextEdit="1"/>
+          </p:cNvSpPr>
+          <p:nvPr>
+            <p:extLst>
+              <p:ext uri="{386F3935-93C4-4BCD-93E2-E3B085C9AB24}">
+                <p16:designElem xmlns:p16="http://schemas.microsoft.com/office/powerpoint/2015/main" val="1"/>
+              </p:ext>
+            </p:extLst>
+          </p:nvPr>
+        </p:nvSpPr>
+        <p:spPr>
+          <a:xfrm>
+            <a:off x="-1" y="1838764"/>
+            <a:ext cx="4964567" cy="3180473"/>
+          </a:xfrm>
+          <a:prstGeom prst="rect">
+            <a:avLst/>
+          </a:prstGeom>
+          <a:solidFill>
+            <a:srgbClr val="0D0D0D"/>
+          </a:solidFill>
+          <a:ln>
+            <a:noFill/>
+          </a:ln>
+        </p:spPr>
+        <p:style>
+          <a:lnRef idx="2">
+            <a:schemeClr val="accent1">
+              <a:shade val="50000"/>
+            </a:schemeClr>
+          </a:lnRef>
+          <a:fillRef idx="1">
+            <a:schemeClr val="accent1"/>
+          </a:fillRef>
+          <a:effectRef idx="0">
+            <a:schemeClr val="accent1"/>
+          </a:effectRef>
+          <a:fontRef idx="minor">
+            <a:schemeClr val="lt1"/>
+          </a:fontRef>
+        </p:style>
+        <p:txBody>
+          <a:bodyPr/>
+          <a:lstStyle/>
+          <a:p>
+            <a:endParaRPr lang="en-US"/>
+          </a:p>
+        </p:txBody>
+      </p:sp>
+      <p:sp>
+        <p:nvSpPr>
+          <p:cNvPr id="2" name="Title 1">
+            <a:extLst>
+              <a:ext uri="{FF2B5EF4-FFF2-40B4-BE49-F238E27FC236}">
+                <a16:creationId xmlns:a16="http://schemas.microsoft.com/office/drawing/2014/main" id="{A884EDAF-8A1B-2BD1-CE9E-FFC47814CB1E}"/>
+              </a:ext>
+            </a:extLst>
+          </p:cNvPr>
+          <p:cNvSpPr>
+            <a:spLocks noGrp="1"/>
+          </p:cNvSpPr>
+          <p:nvPr>
+            <p:ph type="title"/>
+          </p:nvPr>
+        </p:nvSpPr>
+        <p:spPr>
+          <a:xfrm>
+            <a:off x="680322" y="2063262"/>
+            <a:ext cx="3739278" cy="2661138"/>
+          </a:xfrm>
+        </p:spPr>
+        <p:txBody>
+          <a:bodyPr vert="horz" lIns="91440" tIns="45720" rIns="91440" bIns="45720" rtlCol="0" anchor="ctr">
+            <a:normAutofit/>
+          </a:bodyPr>
+          <a:lstStyle/>
+          <a:p>
+            <a:pPr algn="r"/>
+            <a:r>
+              <a:rPr lang="en-US" sz="5400">
+                <a:solidFill>
+                  <a:srgbClr val="FFFFFF"/>
+                </a:solidFill>
+              </a:rPr>
+              <a:t>OCR</a:t>
+            </a:r>
+          </a:p>
+        </p:txBody>
+      </p:sp>
+      <p:sp>
+        <p:nvSpPr>
+          <p:cNvPr id="29" name="Rectangle 28">
+            <a:extLst>
+              <a:ext uri="{FF2B5EF4-FFF2-40B4-BE49-F238E27FC236}">
+                <a16:creationId xmlns:a16="http://schemas.microsoft.com/office/drawing/2014/main" id="{61B962C9-BE53-4915-9C0C-B53DCD378DA2}"/>
+              </a:ext>
+              <a:ext uri="{C183D7F6-B498-43B3-948B-1728B52AA6E4}">
+                <adec:decorative xmlns:adec="http://schemas.microsoft.com/office/drawing/2017/decorative" val="1"/>
+              </a:ext>
+            </a:extLst>
+          </p:cNvPr>
+          <p:cNvSpPr>
+            <a:spLocks noGrp="1" noRot="1" noChangeAspect="1" noMove="1" noResize="1" noEditPoints="1" noAdjustHandles="1" noChangeArrowheads="1" noChangeShapeType="1" noTextEdit="1"/>
+          </p:cNvSpPr>
+          <p:nvPr>
+            <p:extLst>
+              <p:ext uri="{386F3935-93C4-4BCD-93E2-E3B085C9AB24}">
+                <p16:designElem xmlns:p16="http://schemas.microsoft.com/office/powerpoint/2015/main" val="1"/>
+              </p:ext>
+            </p:extLst>
+          </p:nvPr>
+        </p:nvSpPr>
+        <p:spPr>
+          <a:xfrm>
+            <a:off x="5276090" y="642795"/>
+            <a:ext cx="6272654" cy="5575126"/>
+          </a:xfrm>
+          <a:prstGeom prst="rect">
+            <a:avLst/>
+          </a:prstGeom>
+          <a:solidFill>
+            <a:schemeClr val="bg1"/>
+          </a:solidFill>
+          <a:ln>
+            <a:noFill/>
+          </a:ln>
+          <a:effectLst>
+            <a:outerShdw blurRad="76200" dist="63500" dir="5040000" algn="t" rotWithShape="0">
+              <a:prstClr val="black">
+                <a:alpha val="41000"/>
+              </a:prstClr>
+            </a:outerShdw>
+          </a:effectLst>
+        </p:spPr>
+        <p:style>
+          <a:lnRef idx="2">
+            <a:schemeClr val="accent1">
+              <a:shade val="50000"/>
+            </a:schemeClr>
+          </a:lnRef>
+          <a:fillRef idx="1">
+            <a:schemeClr val="accent1"/>
+          </a:fillRef>
+          <a:effectRef idx="0">
+            <a:schemeClr val="accent1"/>
+          </a:effectRef>
+          <a:fontRef idx="minor">
+            <a:schemeClr val="lt1"/>
+          </a:fontRef>
+        </p:style>
+        <p:txBody>
+          <a:bodyPr rtlCol="0" anchor="ctr"/>
+          <a:lstStyle/>
+          <a:p>
+            <a:pPr algn="ctr"/>
+            <a:endParaRPr lang="en-US"/>
+          </a:p>
+        </p:txBody>
+      </p:sp>
+      <p:pic>
+        <p:nvPicPr>
+          <p:cNvPr id="4" name="Picture 3" descr="A graph with black and white lines and dots&#10;&#10;Description automatically generated">
+            <a:extLst>
+              <a:ext uri="{FF2B5EF4-FFF2-40B4-BE49-F238E27FC236}">
+                <a16:creationId xmlns:a16="http://schemas.microsoft.com/office/drawing/2014/main" id="{C4E6CADC-7BDA-D85D-69E7-F206840879DF}"/>
+              </a:ext>
+            </a:extLst>
+          </p:cNvPr>
+          <p:cNvPicPr>
+            <a:picLocks noChangeAspect="1"/>
+          </p:cNvPicPr>
+          <p:nvPr/>
+        </p:nvPicPr>
+        <p:blipFill>
+          <a:blip r:embed="rId6"/>
+          <a:stretch>
+            <a:fillRect/>
+          </a:stretch>
+        </p:blipFill>
+        <p:spPr>
+          <a:xfrm>
+            <a:off x="5593085" y="1314628"/>
+            <a:ext cx="5629268" cy="4221950"/>
+          </a:xfrm>
+          <a:prstGeom prst="rect">
+            <a:avLst/>
+          </a:prstGeom>
+          <a:ln>
+            <a:noFill/>
+          </a:ln>
+          <a:effectLst/>
+        </p:spPr>
+      </p:pic>
+    </p:spTree>
+    <p:extLst>
+      <p:ext uri="{BB962C8B-B14F-4D97-AF65-F5344CB8AC3E}">
+        <p14:creationId xmlns:p14="http://schemas.microsoft.com/office/powerpoint/2010/main" val="2613091040"/>
+      </p:ext>
+    </p:extLst>
+  </p:cSld>
+  <p:clrMapOvr>
+    <a:overrideClrMapping bg1="lt1" tx1="dk1" bg2="lt2" tx2="dk2" accent1="accent1" accent2="accent2" accent3="accent3" accent4="accent4" accent5="accent5" accent6="accent6" hlink="hlink" folHlink="folHlink"/>
+  </p:clrMapOvr>
+</p:sld>
+</file>
+
+<file path=ppt/slides/slide7.xml><?xml version="1.0" encoding="utf-8"?>
+<p:sld xmlns:a="http://schemas.openxmlformats.org/drawingml/2006/main" xmlns:r="http://schemas.openxmlformats.org/officeDocument/2006/relationships" xmlns:p="http://schemas.openxmlformats.org/presentationml/2006/main">
+  <p:cSld>
+    <p:spTree>
+      <p:nvGrpSpPr>
+        <p:cNvPr id="1" name="">
+          <a:extLst>
+            <a:ext uri="{FF2B5EF4-FFF2-40B4-BE49-F238E27FC236}">
+              <a16:creationId xmlns:a16="http://schemas.microsoft.com/office/drawing/2014/main" id="{4B1D7C57-079B-08F1-DB61-BDD7776A6952}"/>
+            </a:ext>
+          </a:extLst>
+        </p:cNvPr>
+        <p:cNvGrpSpPr/>
+        <p:nvPr/>
+      </p:nvGrpSpPr>
+      <p:grpSpPr>
+        <a:xfrm>
+          <a:off x="0" y="0"/>
+          <a:ext cx="0" cy="0"/>
+          <a:chOff x="0" y="0"/>
+          <a:chExt cx="0" cy="0"/>
+        </a:xfrm>
+      </p:grpSpPr>
+      <p:sp>
+        <p:nvSpPr>
+          <p:cNvPr id="2" name="Title 1">
+            <a:extLst>
+              <a:ext uri="{FF2B5EF4-FFF2-40B4-BE49-F238E27FC236}">
+                <a16:creationId xmlns:a16="http://schemas.microsoft.com/office/drawing/2014/main" id="{9A1CAF54-9A18-C147-EC5B-6224E6759B49}"/>
+              </a:ext>
+            </a:extLst>
+          </p:cNvPr>
+          <p:cNvSpPr>
+            <a:spLocks noGrp="1"/>
+          </p:cNvSpPr>
+          <p:nvPr>
+            <p:ph type="title"/>
+          </p:nvPr>
+        </p:nvSpPr>
+        <p:spPr/>
+        <p:txBody>
+          <a:bodyPr/>
+          <a:lstStyle/>
+          <a:p>
+            <a:r>
+              <a:rPr lang="en-US" dirty="0"/>
+              <a:t>Face Recognition</a:t>
+            </a:r>
+          </a:p>
+        </p:txBody>
+      </p:sp>
+      <p:pic>
+        <p:nvPicPr>
+          <p:cNvPr id="4" name="Picture 3" descr="A blue squares with white text&#10;&#10;Description automatically generated">
+            <a:extLst>
+              <a:ext uri="{FF2B5EF4-FFF2-40B4-BE49-F238E27FC236}">
+                <a16:creationId xmlns:a16="http://schemas.microsoft.com/office/drawing/2014/main" id="{CF4D3891-263B-6AFA-06B9-DCCD54594F9B}"/>
+              </a:ext>
+            </a:extLst>
+          </p:cNvPr>
+          <p:cNvPicPr>
+            <a:picLocks noChangeAspect="1"/>
+          </p:cNvPicPr>
+          <p:nvPr/>
+        </p:nvPicPr>
+        <p:blipFill>
+          <a:blip r:embed="rId2"/>
+          <a:stretch>
+            <a:fillRect/>
+          </a:stretch>
+        </p:blipFill>
+        <p:spPr>
+          <a:xfrm>
+            <a:off x="680321" y="2458720"/>
+            <a:ext cx="4991954" cy="3743965"/>
+          </a:xfrm>
+          <a:prstGeom prst="rect">
+            <a:avLst/>
+          </a:prstGeom>
+        </p:spPr>
+      </p:pic>
+      <p:pic>
+        <p:nvPicPr>
+          <p:cNvPr id="6" name="Picture 5" descr="A graph with blue lines and dots&#10;&#10;Description automatically generated">
+            <a:extLst>
+              <a:ext uri="{FF2B5EF4-FFF2-40B4-BE49-F238E27FC236}">
+                <a16:creationId xmlns:a16="http://schemas.microsoft.com/office/drawing/2014/main" id="{2577561C-793B-0ED1-B787-7A48897684B4}"/>
+              </a:ext>
+            </a:extLst>
+          </p:cNvPr>
+          <p:cNvPicPr>
+            <a:picLocks noChangeAspect="1"/>
+          </p:cNvPicPr>
+          <p:nvPr/>
+        </p:nvPicPr>
+        <p:blipFill>
+          <a:blip r:embed="rId3"/>
+          <a:stretch>
+            <a:fillRect/>
+          </a:stretch>
+        </p:blipFill>
+        <p:spPr>
+          <a:xfrm>
+            <a:off x="6333067" y="2458720"/>
+            <a:ext cx="4991954" cy="3743965"/>
+          </a:xfrm>
+          <a:prstGeom prst="rect">
+            <a:avLst/>
+          </a:prstGeom>
+        </p:spPr>
+      </p:pic>
+    </p:spTree>
+    <p:extLst>
+      <p:ext uri="{BB962C8B-B14F-4D97-AF65-F5344CB8AC3E}">
+        <p14:creationId xmlns:p14="http://schemas.microsoft.com/office/powerpoint/2010/main" val="4180614383"/>
+      </p:ext>
+    </p:extLst>
+  </p:cSld>
+  <p:clrMapOvr>
+    <a:masterClrMapping/>
+  </p:clrMapOvr>
+</p:sld>
+</file>
+
+<file path=ppt/slides/slide8.xml><?xml version="1.0" encoding="utf-8"?>
+<p:sld xmlns:a="http://schemas.openxmlformats.org/drawingml/2006/main" xmlns:r="http://schemas.openxmlformats.org/officeDocument/2006/relationships" xmlns:p="http://schemas.openxmlformats.org/presentationml/2006/main">
+  <p:cSld>
+    <p:bg>
+      <p:bgPr>
         <a:gradFill rotWithShape="1">
           <a:gsLst>
             <a:gs pos="0">

--- a/Automated_KYC_System_Presentation.pptx
+++ b/Automated_KYC_System_Presentation.pptx
@@ -3331,7 +3331,7 @@
 <dgm:dataModel xmlns:dgm="http://schemas.openxmlformats.org/drawingml/2006/diagram" xmlns:a="http://schemas.openxmlformats.org/drawingml/2006/main">
   <dgm:ptLst>
     <dgm:pt modelId="{79F6C2F8-9771-4089-BFA4-C9DCB7B6ED77}" type="doc">
-      <dgm:prSet loTypeId="urn:microsoft.com/office/officeart/2005/8/layout/vList5" loCatId="list" qsTypeId="urn:microsoft.com/office/officeart/2005/8/quickstyle/simple1" qsCatId="simple" csTypeId="urn:microsoft.com/office/officeart/2005/8/colors/accent1_2" csCatId="accent1"/>
+      <dgm:prSet loTypeId="urn:microsoft.com/office/officeart/2005/8/layout/vList5" loCatId="list" qsTypeId="urn:microsoft.com/office/officeart/2005/8/quickstyle/simple1" qsCatId="simple" csTypeId="urn:microsoft.com/office/officeart/2005/8/colors/accent1_2" csCatId="accent1" phldr="1"/>
       <dgm:spPr/>
       <dgm:t>
         <a:bodyPr/>
@@ -3493,8 +3493,12 @@
         <a:lstStyle/>
         <a:p>
           <a:r>
-            <a:rPr lang="en-US"/>
-            <a:t>MTCNN detects and crops faces from the ID and selfie.</a:t>
+            <a:rPr lang="en-US" b="0" i="0" dirty="0"/>
+            <a:t>Multi-Task Cascaded Convolutional Neural Networks (</a:t>
+          </a:r>
+          <a:r>
+            <a:rPr lang="en-US" dirty="0"/>
+            <a:t>MTCNN) detects and crops faces from the ID and selfie.</a:t>
           </a:r>
         </a:p>
       </dgm:t>
@@ -4141,7 +4145,7 @@
       </dgm:t>
     </dgm:pt>
     <dgm:pt modelId="{E2659727-CBD3-442A-852E-05485318E0F2}">
-      <dgm:prSet/>
+      <dgm:prSet custT="1"/>
       <dgm:spPr/>
       <dgm:t>
         <a:bodyPr/>
@@ -4151,7 +4155,7 @@
             <a:defRPr b="1"/>
           </a:pPr>
           <a:r>
-            <a:rPr lang="en-US"/>
+            <a:rPr lang="en-US" sz="1800" dirty="0"/>
             <a:t>OCR Accuracy:</a:t>
           </a:r>
         </a:p>
@@ -4187,7 +4191,7 @@
         <a:lstStyle/>
         <a:p>
           <a:r>
-            <a:rPr lang="en-US" sz="1600" dirty="0"/>
+            <a:rPr lang="en-US" sz="2000" dirty="0"/>
             <a:t>Metrics: Character Error Rate (CER), Word Error Rate (WER).</a:t>
           </a:r>
         </a:p>
@@ -4223,7 +4227,7 @@
         <a:lstStyle/>
         <a:p>
           <a:r>
-            <a:rPr lang="en-US" sz="1600" dirty="0"/>
+            <a:rPr lang="en-US" sz="2000" dirty="0"/>
             <a:t>Target: High accuracy in extracting ID fields.</a:t>
           </a:r>
         </a:p>
@@ -4252,7 +4256,7 @@
       </dgm:t>
     </dgm:pt>
     <dgm:pt modelId="{27C8BCE4-2C45-4C93-A5A2-C6E1E139BD84}">
-      <dgm:prSet/>
+      <dgm:prSet custT="1"/>
       <dgm:spPr/>
       <dgm:t>
         <a:bodyPr/>
@@ -4262,7 +4266,7 @@
             <a:defRPr b="1"/>
           </a:pPr>
           <a:r>
-            <a:rPr lang="en-US"/>
+            <a:rPr lang="en-US" sz="1800" dirty="0"/>
             <a:t>Face Detection Reliability:</a:t>
           </a:r>
         </a:p>
@@ -4298,7 +4302,7 @@
         <a:lstStyle/>
         <a:p>
           <a:r>
-            <a:rPr lang="en-US" sz="1600" dirty="0"/>
+            <a:rPr lang="en-US" sz="2000" dirty="0"/>
             <a:t>Metrics: Precision, Recall of face detection.</a:t>
           </a:r>
         </a:p>
@@ -4334,7 +4338,7 @@
         <a:lstStyle/>
         <a:p>
           <a:r>
-            <a:rPr lang="en-US" sz="1600"/>
+            <a:rPr lang="en-US" sz="2000" dirty="0"/>
             <a:t>Target: Correct bounding box detection.</a:t>
           </a:r>
         </a:p>
@@ -4363,7 +4367,7 @@
       </dgm:t>
     </dgm:pt>
     <dgm:pt modelId="{E2E13B05-1006-4E13-9830-50C0DF9D4990}">
-      <dgm:prSet/>
+      <dgm:prSet custT="1"/>
       <dgm:spPr/>
       <dgm:t>
         <a:bodyPr/>
@@ -4373,7 +4377,7 @@
             <a:defRPr b="1"/>
           </a:pPr>
           <a:r>
-            <a:rPr lang="en-US"/>
+            <a:rPr lang="en-US" sz="1800" dirty="0"/>
             <a:t>Face Verification Accuracy:</a:t>
           </a:r>
         </a:p>
@@ -4409,7 +4413,7 @@
         <a:lstStyle/>
         <a:p>
           <a:r>
-            <a:rPr lang="en-US" sz="1600" dirty="0"/>
+            <a:rPr lang="en-US" sz="2000" dirty="0"/>
             <a:t>Metrics: FAR, FRR, and overall accuracy.</a:t>
           </a:r>
         </a:p>
@@ -4445,7 +4449,7 @@
         <a:lstStyle/>
         <a:p>
           <a:r>
-            <a:rPr lang="en-US" sz="1600" dirty="0"/>
+            <a:rPr lang="en-US" sz="2000" dirty="0"/>
             <a:t>Target: Minimal false positives or negatives.</a:t>
           </a:r>
         </a:p>
@@ -4474,7 +4478,7 @@
       </dgm:t>
     </dgm:pt>
     <dgm:pt modelId="{46824938-9179-45A4-B781-C8C2B95DA3B3}">
-      <dgm:prSet/>
+      <dgm:prSet custT="1"/>
       <dgm:spPr/>
       <dgm:t>
         <a:bodyPr/>
@@ -4484,7 +4488,7 @@
             <a:defRPr b="1"/>
           </a:pPr>
           <a:r>
-            <a:rPr lang="en-US"/>
+            <a:rPr lang="en-US" sz="1800" dirty="0"/>
             <a:t>Processing Time:</a:t>
           </a:r>
         </a:p>
@@ -4520,7 +4524,7 @@
         <a:lstStyle/>
         <a:p>
           <a:r>
-            <a:rPr lang="en-US" sz="1600" dirty="0"/>
+            <a:rPr lang="en-US" sz="2000" dirty="0"/>
             <a:t>Metric: Average time for results.</a:t>
           </a:r>
         </a:p>
@@ -4556,7 +4560,7 @@
         <a:lstStyle/>
         <a:p>
           <a:r>
-            <a:rPr lang="en-US" sz="1600"/>
+            <a:rPr lang="en-US" sz="2000" dirty="0"/>
             <a:t>Target: Near real-time (few seconds).</a:t>
           </a:r>
         </a:p>
@@ -5634,8 +5638,12 @@
             <a:buChar char="•"/>
           </a:pPr>
           <a:r>
-            <a:rPr lang="en-US" sz="1700" kern="1200"/>
-            <a:t>MTCNN detects and crops faces from the ID and selfie.</a:t>
+            <a:rPr lang="en-US" sz="1700" b="0" i="0" kern="1200" dirty="0"/>
+            <a:t>Multi-Task Cascaded Convolutional Neural Networks (</a:t>
+          </a:r>
+          <a:r>
+            <a:rPr lang="en-US" sz="1700" kern="1200" dirty="0"/>
+            <a:t>MTCNN) detects and crops faces from the ID and selfie.</a:t>
           </a:r>
         </a:p>
       </dsp:txBody>
@@ -6580,7 +6588,7 @@
       </dsp:nvSpPr>
       <dsp:spPr>
         <a:xfrm>
-          <a:off x="3349" y="550021"/>
+          <a:off x="3349" y="441444"/>
           <a:ext cx="837210" cy="837210"/>
         </a:xfrm>
         <a:prstGeom prst="rect">
@@ -6629,8 +6637,8 @@
       </dsp:nvSpPr>
       <dsp:spPr>
         <a:xfrm>
-          <a:off x="3349" y="1494681"/>
-          <a:ext cx="2392031" cy="358804"/>
+          <a:off x="3349" y="1429395"/>
+          <a:ext cx="2392031" cy="482143"/>
         </a:xfrm>
         <a:prstGeom prst="rect">
           <a:avLst/>
@@ -6659,7 +6667,7 @@
         </a:bodyPr>
         <a:lstStyle/>
         <a:p>
-          <a:pPr marL="0" lvl="0" indent="0" algn="l" defTabSz="622300">
+          <a:pPr marL="0" lvl="0" indent="0" algn="l" defTabSz="800100">
             <a:lnSpc>
               <a:spcPct val="90000"/>
             </a:lnSpc>
@@ -6673,14 +6681,14 @@
             <a:defRPr b="1"/>
           </a:pPr>
           <a:r>
-            <a:rPr lang="en-US" sz="1400" kern="1200"/>
+            <a:rPr lang="en-US" sz="1800" kern="1200" dirty="0"/>
             <a:t>OCR Accuracy:</a:t>
           </a:r>
         </a:p>
       </dsp:txBody>
       <dsp:txXfrm>
-        <a:off x="3349" y="1494681"/>
-        <a:ext cx="2392031" cy="358804"/>
+        <a:off x="3349" y="1429395"/>
+        <a:ext cx="2392031" cy="482143"/>
       </dsp:txXfrm>
     </dsp:sp>
     <dsp:sp modelId="{59BEE89F-1197-49A5-AA1D-F568A6E1B8CD}">
@@ -6690,8 +6698,8 @@
       </dsp:nvSpPr>
       <dsp:spPr>
         <a:xfrm>
-          <a:off x="3349" y="1903462"/>
-          <a:ext cx="2392031" cy="1145378"/>
+          <a:off x="3349" y="1981650"/>
+          <a:ext cx="2392031" cy="1965369"/>
         </a:xfrm>
         <a:prstGeom prst="rect">
           <a:avLst/>
@@ -6720,7 +6728,7 @@
         </a:bodyPr>
         <a:lstStyle/>
         <a:p>
-          <a:pPr marL="0" lvl="0" indent="0" algn="l" defTabSz="711200">
+          <a:pPr marL="0" lvl="0" indent="0" algn="l" defTabSz="889000">
             <a:lnSpc>
               <a:spcPct val="90000"/>
             </a:lnSpc>
@@ -6733,12 +6741,12 @@
             <a:buNone/>
           </a:pPr>
           <a:r>
-            <a:rPr lang="en-US" sz="1600" kern="1200" dirty="0"/>
+            <a:rPr lang="en-US" sz="2000" kern="1200" dirty="0"/>
             <a:t>Metrics: Character Error Rate (CER), Word Error Rate (WER).</a:t>
           </a:r>
         </a:p>
         <a:p>
-          <a:pPr marL="0" lvl="0" indent="0" algn="l" defTabSz="711200">
+          <a:pPr marL="0" lvl="0" indent="0" algn="l" defTabSz="889000">
             <a:lnSpc>
               <a:spcPct val="90000"/>
             </a:lnSpc>
@@ -6751,14 +6759,14 @@
             <a:buNone/>
           </a:pPr>
           <a:r>
-            <a:rPr lang="en-US" sz="1600" kern="1200" dirty="0"/>
+            <a:rPr lang="en-US" sz="2000" kern="1200" dirty="0"/>
             <a:t>Target: High accuracy in extracting ID fields.</a:t>
           </a:r>
         </a:p>
       </dsp:txBody>
       <dsp:txXfrm>
-        <a:off x="3349" y="1903462"/>
-        <a:ext cx="2392031" cy="1145378"/>
+        <a:off x="3349" y="1981650"/>
+        <a:ext cx="2392031" cy="1965369"/>
       </dsp:txXfrm>
     </dsp:sp>
     <dsp:sp modelId="{9E79B09D-AA78-4EAF-922F-274C9D38553B}">
@@ -6768,7 +6776,7 @@
       </dsp:nvSpPr>
       <dsp:spPr>
         <a:xfrm>
-          <a:off x="2813986" y="550021"/>
+          <a:off x="2813986" y="441444"/>
           <a:ext cx="837210" cy="837210"/>
         </a:xfrm>
         <a:prstGeom prst="rect">
@@ -6817,8 +6825,8 @@
       </dsp:nvSpPr>
       <dsp:spPr>
         <a:xfrm>
-          <a:off x="2813986" y="1494681"/>
-          <a:ext cx="2392031" cy="358804"/>
+          <a:off x="2813986" y="1429395"/>
+          <a:ext cx="2392031" cy="482143"/>
         </a:xfrm>
         <a:prstGeom prst="rect">
           <a:avLst/>
@@ -6847,7 +6855,7 @@
         </a:bodyPr>
         <a:lstStyle/>
         <a:p>
-          <a:pPr marL="0" lvl="0" indent="0" algn="l" defTabSz="622300">
+          <a:pPr marL="0" lvl="0" indent="0" algn="l" defTabSz="800100">
             <a:lnSpc>
               <a:spcPct val="90000"/>
             </a:lnSpc>
@@ -6861,14 +6869,14 @@
             <a:defRPr b="1"/>
           </a:pPr>
           <a:r>
-            <a:rPr lang="en-US" sz="1400" kern="1200"/>
+            <a:rPr lang="en-US" sz="1800" kern="1200" dirty="0"/>
             <a:t>Face Detection Reliability:</a:t>
           </a:r>
         </a:p>
       </dsp:txBody>
       <dsp:txXfrm>
-        <a:off x="2813986" y="1494681"/>
-        <a:ext cx="2392031" cy="358804"/>
+        <a:off x="2813986" y="1429395"/>
+        <a:ext cx="2392031" cy="482143"/>
       </dsp:txXfrm>
     </dsp:sp>
     <dsp:sp modelId="{4631785A-ED0F-4F2C-8E5C-7EB93828EDBF}">
@@ -6878,8 +6886,8 @@
       </dsp:nvSpPr>
       <dsp:spPr>
         <a:xfrm>
-          <a:off x="2813986" y="1903462"/>
-          <a:ext cx="2392031" cy="1145378"/>
+          <a:off x="2813986" y="1981650"/>
+          <a:ext cx="2392031" cy="1965369"/>
         </a:xfrm>
         <a:prstGeom prst="rect">
           <a:avLst/>
@@ -6908,7 +6916,7 @@
         </a:bodyPr>
         <a:lstStyle/>
         <a:p>
-          <a:pPr marL="0" lvl="0" indent="0" algn="l" defTabSz="711200">
+          <a:pPr marL="0" lvl="0" indent="0" algn="l" defTabSz="889000">
             <a:lnSpc>
               <a:spcPct val="90000"/>
             </a:lnSpc>
@@ -6921,12 +6929,12 @@
             <a:buNone/>
           </a:pPr>
           <a:r>
-            <a:rPr lang="en-US" sz="1600" kern="1200" dirty="0"/>
+            <a:rPr lang="en-US" sz="2000" kern="1200" dirty="0"/>
             <a:t>Metrics: Precision, Recall of face detection.</a:t>
           </a:r>
         </a:p>
         <a:p>
-          <a:pPr marL="0" lvl="0" indent="0" algn="l" defTabSz="711200">
+          <a:pPr marL="0" lvl="0" indent="0" algn="l" defTabSz="889000">
             <a:lnSpc>
               <a:spcPct val="90000"/>
             </a:lnSpc>
@@ -6939,14 +6947,14 @@
             <a:buNone/>
           </a:pPr>
           <a:r>
-            <a:rPr lang="en-US" sz="1600" kern="1200"/>
+            <a:rPr lang="en-US" sz="2000" kern="1200" dirty="0"/>
             <a:t>Target: Correct bounding box detection.</a:t>
           </a:r>
         </a:p>
       </dsp:txBody>
       <dsp:txXfrm>
-        <a:off x="2813986" y="1903462"/>
-        <a:ext cx="2392031" cy="1145378"/>
+        <a:off x="2813986" y="1981650"/>
+        <a:ext cx="2392031" cy="1965369"/>
       </dsp:txXfrm>
     </dsp:sp>
     <dsp:sp modelId="{CE0E65C3-B5BF-4C4E-87DE-4F166190B546}">
@@ -6956,7 +6964,7 @@
       </dsp:nvSpPr>
       <dsp:spPr>
         <a:xfrm>
-          <a:off x="5624623" y="550021"/>
+          <a:off x="5624623" y="441444"/>
           <a:ext cx="837210" cy="837210"/>
         </a:xfrm>
         <a:prstGeom prst="rect">
@@ -7005,8 +7013,8 @@
       </dsp:nvSpPr>
       <dsp:spPr>
         <a:xfrm>
-          <a:off x="5624623" y="1494681"/>
-          <a:ext cx="2392031" cy="358804"/>
+          <a:off x="5624623" y="1429395"/>
+          <a:ext cx="2392031" cy="482143"/>
         </a:xfrm>
         <a:prstGeom prst="rect">
           <a:avLst/>
@@ -7035,7 +7043,7 @@
         </a:bodyPr>
         <a:lstStyle/>
         <a:p>
-          <a:pPr marL="0" lvl="0" indent="0" algn="l" defTabSz="622300">
+          <a:pPr marL="0" lvl="0" indent="0" algn="l" defTabSz="800100">
             <a:lnSpc>
               <a:spcPct val="90000"/>
             </a:lnSpc>
@@ -7049,14 +7057,14 @@
             <a:defRPr b="1"/>
           </a:pPr>
           <a:r>
-            <a:rPr lang="en-US" sz="1400" kern="1200"/>
+            <a:rPr lang="en-US" sz="1800" kern="1200" dirty="0"/>
             <a:t>Face Verification Accuracy:</a:t>
           </a:r>
         </a:p>
       </dsp:txBody>
       <dsp:txXfrm>
-        <a:off x="5624623" y="1494681"/>
-        <a:ext cx="2392031" cy="358804"/>
+        <a:off x="5624623" y="1429395"/>
+        <a:ext cx="2392031" cy="482143"/>
       </dsp:txXfrm>
     </dsp:sp>
     <dsp:sp modelId="{6A584559-ED62-4187-8263-DDEF86208302}">
@@ -7066,8 +7074,8 @@
       </dsp:nvSpPr>
       <dsp:spPr>
         <a:xfrm>
-          <a:off x="5624623" y="1903462"/>
-          <a:ext cx="2392031" cy="1145378"/>
+          <a:off x="5624623" y="1981650"/>
+          <a:ext cx="2392031" cy="1965369"/>
         </a:xfrm>
         <a:prstGeom prst="rect">
           <a:avLst/>
@@ -7096,7 +7104,7 @@
         </a:bodyPr>
         <a:lstStyle/>
         <a:p>
-          <a:pPr marL="0" lvl="0" indent="0" algn="l" defTabSz="711200">
+          <a:pPr marL="0" lvl="0" indent="0" algn="l" defTabSz="889000">
             <a:lnSpc>
               <a:spcPct val="90000"/>
             </a:lnSpc>
@@ -7109,12 +7117,12 @@
             <a:buNone/>
           </a:pPr>
           <a:r>
-            <a:rPr lang="en-US" sz="1600" kern="1200" dirty="0"/>
+            <a:rPr lang="en-US" sz="2000" kern="1200" dirty="0"/>
             <a:t>Metrics: FAR, FRR, and overall accuracy.</a:t>
           </a:r>
         </a:p>
         <a:p>
-          <a:pPr marL="0" lvl="0" indent="0" algn="l" defTabSz="711200">
+          <a:pPr marL="0" lvl="0" indent="0" algn="l" defTabSz="889000">
             <a:lnSpc>
               <a:spcPct val="90000"/>
             </a:lnSpc>
@@ -7127,14 +7135,14 @@
             <a:buNone/>
           </a:pPr>
           <a:r>
-            <a:rPr lang="en-US" sz="1600" kern="1200" dirty="0"/>
+            <a:rPr lang="en-US" sz="2000" kern="1200" dirty="0"/>
             <a:t>Target: Minimal false positives or negatives.</a:t>
           </a:r>
         </a:p>
       </dsp:txBody>
       <dsp:txXfrm>
-        <a:off x="5624623" y="1903462"/>
-        <a:ext cx="2392031" cy="1145378"/>
+        <a:off x="5624623" y="1981650"/>
+        <a:ext cx="2392031" cy="1965369"/>
       </dsp:txXfrm>
     </dsp:sp>
     <dsp:sp modelId="{7EBFB903-8FBB-48F5-AF6F-0DC77B2BCC8D}">
@@ -7144,7 +7152,7 @@
       </dsp:nvSpPr>
       <dsp:spPr>
         <a:xfrm>
-          <a:off x="8435259" y="550021"/>
+          <a:off x="8435259" y="441444"/>
           <a:ext cx="837210" cy="837210"/>
         </a:xfrm>
         <a:prstGeom prst="rect">
@@ -7193,8 +7201,8 @@
       </dsp:nvSpPr>
       <dsp:spPr>
         <a:xfrm>
-          <a:off x="8435259" y="1494681"/>
-          <a:ext cx="2392031" cy="358804"/>
+          <a:off x="8435259" y="1429395"/>
+          <a:ext cx="2392031" cy="482143"/>
         </a:xfrm>
         <a:prstGeom prst="rect">
           <a:avLst/>
@@ -7223,7 +7231,7 @@
         </a:bodyPr>
         <a:lstStyle/>
         <a:p>
-          <a:pPr marL="0" lvl="0" indent="0" algn="l" defTabSz="622300">
+          <a:pPr marL="0" lvl="0" indent="0" algn="l" defTabSz="800100">
             <a:lnSpc>
               <a:spcPct val="90000"/>
             </a:lnSpc>
@@ -7237,14 +7245,14 @@
             <a:defRPr b="1"/>
           </a:pPr>
           <a:r>
-            <a:rPr lang="en-US" sz="1400" kern="1200"/>
+            <a:rPr lang="en-US" sz="1800" kern="1200" dirty="0"/>
             <a:t>Processing Time:</a:t>
           </a:r>
         </a:p>
       </dsp:txBody>
       <dsp:txXfrm>
-        <a:off x="8435259" y="1494681"/>
-        <a:ext cx="2392031" cy="358804"/>
+        <a:off x="8435259" y="1429395"/>
+        <a:ext cx="2392031" cy="482143"/>
       </dsp:txXfrm>
     </dsp:sp>
     <dsp:sp modelId="{8A686593-5E7D-4C64-9C4B-DB9E677D1974}">
@@ -7254,8 +7262,8 @@
       </dsp:nvSpPr>
       <dsp:spPr>
         <a:xfrm>
-          <a:off x="8435259" y="1903462"/>
-          <a:ext cx="2392031" cy="1145378"/>
+          <a:off x="8435259" y="1981650"/>
+          <a:ext cx="2392031" cy="1965369"/>
         </a:xfrm>
         <a:prstGeom prst="rect">
           <a:avLst/>
@@ -7284,7 +7292,7 @@
         </a:bodyPr>
         <a:lstStyle/>
         <a:p>
-          <a:pPr marL="0" lvl="0" indent="0" algn="l" defTabSz="711200">
+          <a:pPr marL="0" lvl="0" indent="0" algn="l" defTabSz="889000">
             <a:lnSpc>
               <a:spcPct val="90000"/>
             </a:lnSpc>
@@ -7297,12 +7305,12 @@
             <a:buNone/>
           </a:pPr>
           <a:r>
-            <a:rPr lang="en-US" sz="1600" kern="1200" dirty="0"/>
+            <a:rPr lang="en-US" sz="2000" kern="1200" dirty="0"/>
             <a:t>Metric: Average time for results.</a:t>
           </a:r>
         </a:p>
         <a:p>
-          <a:pPr marL="0" lvl="0" indent="0" algn="l" defTabSz="711200">
+          <a:pPr marL="0" lvl="0" indent="0" algn="l" defTabSz="889000">
             <a:lnSpc>
               <a:spcPct val="90000"/>
             </a:lnSpc>
@@ -7315,14 +7323,14 @@
             <a:buNone/>
           </a:pPr>
           <a:r>
-            <a:rPr lang="en-US" sz="1600" kern="1200"/>
+            <a:rPr lang="en-US" sz="2000" kern="1200" dirty="0"/>
             <a:t>Target: Near real-time (few seconds).</a:t>
           </a:r>
         </a:p>
       </dsp:txBody>
       <dsp:txXfrm>
-        <a:off x="8435259" y="1903462"/>
-        <a:ext cx="2392031" cy="1145378"/>
+        <a:off x="8435259" y="1981650"/>
+        <a:ext cx="2392031" cy="1965369"/>
       </dsp:txXfrm>
     </dsp:sp>
   </dsp:spTree>
@@ -21570,7 +21578,7 @@
             </a:pPr>
             <a:r>
               <a:rPr dirty="0"/>
-              <a:t>3. Face verification between the ID’s face and a live/selfie image.</a:t>
+              <a:t>Face verification between the ID’s face and a live/selfie image.</a:t>
             </a:r>
           </a:p>
         </p:txBody>
@@ -21680,7 +21688,7 @@
             <p:ph idx="1"/>
             <p:extLst>
               <p:ext uri="{D42A27DB-BD31-4B8C-83A1-F6EECF244321}">
-                <p14:modId xmlns:p14="http://schemas.microsoft.com/office/powerpoint/2010/main" val="1619036216"/>
+                <p14:modId xmlns:p14="http://schemas.microsoft.com/office/powerpoint/2010/main" val="1289159521"/>
               </p:ext>
             </p:extLst>
           </p:nvPr>
@@ -21919,14 +21927,14 @@
             <p:ph idx="1"/>
             <p:extLst>
               <p:ext uri="{D42A27DB-BD31-4B8C-83A1-F6EECF244321}">
-                <p14:modId xmlns:p14="http://schemas.microsoft.com/office/powerpoint/2010/main" val="176338487"/>
+                <p14:modId xmlns:p14="http://schemas.microsoft.com/office/powerpoint/2010/main" val="3045645752"/>
               </p:ext>
             </p:extLst>
           </p:nvPr>
         </p:nvGraphicFramePr>
         <p:xfrm>
           <a:off x="681037" y="2336800"/>
-          <a:ext cx="10830641" cy="3598863"/>
+          <a:ext cx="10830641" cy="4388465"/>
         </p:xfrm>
         <a:graphic>
           <a:graphicData uri="http://schemas.openxmlformats.org/drawingml/2006/diagram">
@@ -21947,9 +21955,36 @@
   <p:cSld>
     <p:bg>
       <p:bgPr>
-        <a:solidFill>
-          <a:schemeClr val="bg1"/>
-        </a:solidFill>
+        <a:gradFill rotWithShape="1">
+          <a:gsLst>
+            <a:gs pos="0">
+              <a:schemeClr val="bg2">
+                <a:tint val="96000"/>
+                <a:shade val="100000"/>
+                <a:hueMod val="270000"/>
+                <a:satMod val="200000"/>
+                <a:lumMod val="128000"/>
+              </a:schemeClr>
+            </a:gs>
+            <a:gs pos="50000">
+              <a:schemeClr val="bg2">
+                <a:shade val="100000"/>
+                <a:hueMod val="100000"/>
+                <a:satMod val="110000"/>
+                <a:lumMod val="130000"/>
+              </a:schemeClr>
+            </a:gs>
+            <a:gs pos="100000">
+              <a:schemeClr val="bg2">
+                <a:shade val="78000"/>
+                <a:hueMod val="44000"/>
+                <a:satMod val="200000"/>
+                <a:lumMod val="69000"/>
+              </a:schemeClr>
+            </a:gs>
+          </a:gsLst>
+          <a:lin ang="2520000" scaled="0"/>
+        </a:gradFill>
         <a:effectLst/>
       </p:bgPr>
     </p:bg>
@@ -21969,7 +22004,7 @@
       </p:grpSpPr>
       <p:pic>
         <p:nvPicPr>
-          <p:cNvPr id="9" name="Picture 8">
+          <p:cNvPr id="34" name="Picture 33">
             <a:extLst>
               <a:ext uri="{FF2B5EF4-FFF2-40B4-BE49-F238E27FC236}">
                 <a16:creationId xmlns:a16="http://schemas.microsoft.com/office/drawing/2014/main" id="{5321D838-2C7E-4177-9DD3-DAC78324A2B2}"/>
@@ -22015,7 +22050,7 @@
       </p:pic>
       <p:pic>
         <p:nvPicPr>
-          <p:cNvPr id="11" name="Picture 10">
+          <p:cNvPr id="36" name="Picture 35">
             <a:extLst>
               <a:ext uri="{FF2B5EF4-FFF2-40B4-BE49-F238E27FC236}">
                 <a16:creationId xmlns:a16="http://schemas.microsoft.com/office/drawing/2014/main" id="{0146E45C-1450-4186-B501-74F221F897A8}"/>
@@ -22060,7 +22095,7 @@
       </p:pic>
       <p:pic>
         <p:nvPicPr>
-          <p:cNvPr id="13" name="Picture 12">
+          <p:cNvPr id="38" name="Picture 37">
             <a:extLst>
               <a:ext uri="{FF2B5EF4-FFF2-40B4-BE49-F238E27FC236}">
                 <a16:creationId xmlns:a16="http://schemas.microsoft.com/office/drawing/2014/main" id="{EEDDA48B-BC04-4915-ADA3-A1A9522EB0D1}"/>
@@ -22105,7 +22140,7 @@
       </p:pic>
       <p:sp>
         <p:nvSpPr>
-          <p:cNvPr id="15" name="Rectangle 14">
+          <p:cNvPr id="40" name="Rectangle 39">
             <a:extLst>
               <a:ext uri="{FF2B5EF4-FFF2-40B4-BE49-F238E27FC236}">
                 <a16:creationId xmlns:a16="http://schemas.microsoft.com/office/drawing/2014/main" id="{78C9D07A-5A22-4E55-B18A-47CF07E5080D}"/>
@@ -22170,7 +22205,7 @@
       </p:sp>
       <p:sp>
         <p:nvSpPr>
-          <p:cNvPr id="17" name="Rectangle 16">
+          <p:cNvPr id="42" name="Rectangle 41">
             <a:extLst>
               <a:ext uri="{FF2B5EF4-FFF2-40B4-BE49-F238E27FC236}">
                 <a16:creationId xmlns:a16="http://schemas.microsoft.com/office/drawing/2014/main" id="{3D71E629-0739-4A59-972B-A9E9A4500E31}"/>
@@ -22230,12 +22265,72 @@
           </a:p>
         </p:txBody>
       </p:sp>
+      <p:sp useBgFill="1">
+        <p:nvSpPr>
+          <p:cNvPr id="44" name="Rectangle 43">
+            <a:extLst>
+              <a:ext uri="{FF2B5EF4-FFF2-40B4-BE49-F238E27FC236}">
+                <a16:creationId xmlns:a16="http://schemas.microsoft.com/office/drawing/2014/main" id="{2F84762E-7FCC-4EAF-B9E7-CE7214491E0D}"/>
+              </a:ext>
+              <a:ext uri="{C183D7F6-B498-43B3-948B-1728B52AA6E4}">
+                <adec:decorative xmlns:adec="http://schemas.microsoft.com/office/drawing/2017/decorative" val="1"/>
+              </a:ext>
+            </a:extLst>
+          </p:cNvPr>
+          <p:cNvSpPr>
+            <a:spLocks noGrp="1" noRot="1" noChangeAspect="1" noMove="1" noResize="1" noEditPoints="1" noAdjustHandles="1" noChangeArrowheads="1" noChangeShapeType="1" noTextEdit="1"/>
+          </p:cNvSpPr>
+          <p:nvPr>
+            <p:extLst>
+              <p:ext uri="{386F3935-93C4-4BCD-93E2-E3B085C9AB24}">
+                <p16:designElem xmlns:p16="http://schemas.microsoft.com/office/powerpoint/2015/main" val="1"/>
+              </p:ext>
+            </p:extLst>
+          </p:nvPr>
+        </p:nvSpPr>
+        <p:spPr>
+          <a:xfrm>
+            <a:off x="0" y="0"/>
+            <a:ext cx="12188824" cy="6858000"/>
+          </a:xfrm>
+          <a:prstGeom prst="rect">
+            <a:avLst/>
+          </a:prstGeom>
+          <a:ln>
+            <a:noFill/>
+          </a:ln>
+        </p:spPr>
+        <p:style>
+          <a:lnRef idx="2">
+            <a:schemeClr val="accent1">
+              <a:shade val="50000"/>
+            </a:schemeClr>
+          </a:lnRef>
+          <a:fillRef idx="1">
+            <a:schemeClr val="accent1"/>
+          </a:fillRef>
+          <a:effectRef idx="0">
+            <a:schemeClr val="accent1"/>
+          </a:effectRef>
+          <a:fontRef idx="minor">
+            <a:schemeClr val="lt1"/>
+          </a:fontRef>
+        </p:style>
+        <p:txBody>
+          <a:bodyPr rtlCol="0" anchor="ctr"/>
+          <a:lstStyle/>
+          <a:p>
+            <a:pPr algn="ctr"/>
+            <a:endParaRPr lang="en-US"/>
+          </a:p>
+        </p:txBody>
+      </p:sp>
       <p:pic>
         <p:nvPicPr>
-          <p:cNvPr id="19" name="Picture 18">
+          <p:cNvPr id="46" name="Picture 45">
             <a:extLst>
               <a:ext uri="{FF2B5EF4-FFF2-40B4-BE49-F238E27FC236}">
-                <a16:creationId xmlns:a16="http://schemas.microsoft.com/office/drawing/2014/main" id="{AF9C2BBD-AAF7-4C85-9BE4-E4C2F52353FF}"/>
+                <a16:creationId xmlns:a16="http://schemas.microsoft.com/office/drawing/2014/main" id="{927A1389-2A5D-4886-AD82-F213767E673F}"/>
               </a:ext>
               <a:ext uri="{C183D7F6-B498-43B3-948B-1728B52AA6E4}">
                 <adec:decorative xmlns:adec="http://schemas.microsoft.com/office/drawing/2017/decorative" val="1"/>
@@ -22268,67 +22363,7 @@
         </p:blipFill>
         <p:spPr>
           <a:xfrm>
-            <a:off x="0" y="0"/>
-            <a:ext cx="12192000" cy="6858000"/>
-          </a:xfrm>
-          <a:prstGeom prst="rect">
-            <a:avLst/>
-          </a:prstGeom>
-          <a:gradFill>
-            <a:gsLst>
-              <a:gs pos="0">
-                <a:srgbClr val="F78925"/>
-              </a:gs>
-              <a:gs pos="50000">
-                <a:srgbClr val="D54209"/>
-              </a:gs>
-              <a:gs pos="100000">
-                <a:srgbClr val="8D0000"/>
-              </a:gs>
-            </a:gsLst>
-            <a:lin ang="2520000" scaled="0"/>
-          </a:gradFill>
-        </p:spPr>
-      </p:pic>
-      <p:pic>
-        <p:nvPicPr>
-          <p:cNvPr id="21" name="Picture 20">
-            <a:extLst>
-              <a:ext uri="{FF2B5EF4-FFF2-40B4-BE49-F238E27FC236}">
-                <a16:creationId xmlns:a16="http://schemas.microsoft.com/office/drawing/2014/main" id="{AEEF8B78-E487-4E1A-8945-35B4041B02A3}"/>
-              </a:ext>
-              <a:ext uri="{C183D7F6-B498-43B3-948B-1728B52AA6E4}">
-                <adec:decorative xmlns:adec="http://schemas.microsoft.com/office/drawing/2017/decorative" val="1"/>
-              </a:ext>
-            </a:extLst>
-          </p:cNvPr>
-          <p:cNvPicPr>
-            <a:picLocks noGrp="1" noRot="1" noChangeAspect="1" noMove="1" noResize="1" noEditPoints="1" noAdjustHandles="1" noChangeArrowheads="1" noChangeShapeType="1" noCrop="1"/>
-          </p:cNvPicPr>
-          <p:nvPr>
-            <p:extLst>
-              <p:ext uri="{386F3935-93C4-4BCD-93E2-E3B085C9AB24}">
-                <p16:designElem xmlns:p16="http://schemas.microsoft.com/office/powerpoint/2015/main" val="1"/>
-              </p:ext>
-            </p:extLst>
-          </p:nvPr>
-        </p:nvPicPr>
-        <p:blipFill>
-          <a:blip r:embed="rId2">
-            <a:alphaModFix amt="10000"/>
-            <a:extLst>
-              <a:ext uri="{28A0092B-C50C-407E-A947-70E740481C1C}">
-                <a14:useLocalDpi xmlns:a14="http://schemas.microsoft.com/office/drawing/2010/main" val="0"/>
-              </a:ext>
-            </a:extLst>
-          </a:blip>
-          <a:stretch>
-            <a:fillRect/>
-          </a:stretch>
-        </p:blipFill>
-        <p:spPr>
-          <a:xfrm>
-            <a:off x="0" y="0"/>
+            <a:off x="0" y="-8207"/>
             <a:ext cx="12192000" cy="6858000"/>
           </a:xfrm>
           <a:prstGeom prst="rect">
@@ -22338,10 +22373,10 @@
       </p:pic>
       <p:sp>
         <p:nvSpPr>
-          <p:cNvPr id="23" name="Rectangle 22">
+          <p:cNvPr id="48" name="Rectangle 47">
             <a:extLst>
               <a:ext uri="{FF2B5EF4-FFF2-40B4-BE49-F238E27FC236}">
-                <a16:creationId xmlns:a16="http://schemas.microsoft.com/office/drawing/2014/main" id="{B9B4F0B3-5A15-4AAD-B054-8BA92098722A}"/>
+                <a16:creationId xmlns:a16="http://schemas.microsoft.com/office/drawing/2014/main" id="{A1038667-0C3F-4764-A24D-DA9D9B474851}"/>
               </a:ext>
               <a:ext uri="{C183D7F6-B498-43B3-948B-1728B52AA6E4}">
                 <adec:decorative xmlns:adec="http://schemas.microsoft.com/office/drawing/2017/decorative" val="1"/>
@@ -22398,10 +22433,10 @@
       </p:sp>
       <p:pic>
         <p:nvPicPr>
-          <p:cNvPr id="25" name="Picture 24">
+          <p:cNvPr id="50" name="Picture 49">
             <a:extLst>
               <a:ext uri="{FF2B5EF4-FFF2-40B4-BE49-F238E27FC236}">
-                <a16:creationId xmlns:a16="http://schemas.microsoft.com/office/drawing/2014/main" id="{CCA43FE3-BC3A-4163-B2D9-721AA0F6F4D9}"/>
+                <a16:creationId xmlns:a16="http://schemas.microsoft.com/office/drawing/2014/main" id="{6AC2195B-895A-4535-8ECD-9F5B669C5CA5}"/>
               </a:ext>
               <a:ext uri="{C183D7F6-B498-43B3-948B-1728B52AA6E4}">
                 <adec:decorative xmlns:adec="http://schemas.microsoft.com/office/drawing/2017/decorative" val="1"/>
@@ -22443,10 +22478,10 @@
       </p:pic>
       <p:sp>
         <p:nvSpPr>
-          <p:cNvPr id="27" name="Rectangle 26">
+          <p:cNvPr id="52" name="Rectangle 51">
             <a:extLst>
               <a:ext uri="{FF2B5EF4-FFF2-40B4-BE49-F238E27FC236}">
-                <a16:creationId xmlns:a16="http://schemas.microsoft.com/office/drawing/2014/main" id="{488AAD42-9F71-4F14-AE1E-C05DCFC60600}"/>
+                <a16:creationId xmlns:a16="http://schemas.microsoft.com/office/drawing/2014/main" id="{571EEFCA-9235-4BC2-85C3-A4EC6EE57AC4}"/>
               </a:ext>
               <a:ext uri="{C183D7F6-B498-43B3-948B-1728B52AA6E4}">
                 <adec:decorative xmlns:adec="http://schemas.microsoft.com/office/drawing/2017/decorative" val="1"/>
@@ -22473,7 +22508,10 @@
             <a:avLst/>
           </a:prstGeom>
           <a:solidFill>
-            <a:srgbClr val="0D0D0D"/>
+            <a:schemeClr val="bg1">
+              <a:lumMod val="85000"/>
+              <a:lumOff val="15000"/>
+            </a:schemeClr>
           </a:solidFill>
           <a:ln>
             <a:noFill/>
@@ -22533,83 +22571,9 @@
           <a:p>
             <a:pPr algn="r"/>
             <a:r>
-              <a:rPr lang="en-US" sz="5400">
-                <a:solidFill>
-                  <a:srgbClr val="FFFFFF"/>
-                </a:solidFill>
-              </a:rPr>
+              <a:rPr lang="en-US" sz="5400"/>
               <a:t>OCR</a:t>
             </a:r>
-          </a:p>
-        </p:txBody>
-      </p:sp>
-      <p:sp>
-        <p:nvSpPr>
-          <p:cNvPr id="29" name="Rectangle 28">
-            <a:extLst>
-              <a:ext uri="{FF2B5EF4-FFF2-40B4-BE49-F238E27FC236}">
-                <a16:creationId xmlns:a16="http://schemas.microsoft.com/office/drawing/2014/main" id="{61B962C9-BE53-4915-9C0C-B53DCD378DA2}"/>
-              </a:ext>
-              <a:ext uri="{C183D7F6-B498-43B3-948B-1728B52AA6E4}">
-                <adec:decorative xmlns:adec="http://schemas.microsoft.com/office/drawing/2017/decorative" val="1"/>
-              </a:ext>
-            </a:extLst>
-          </p:cNvPr>
-          <p:cNvSpPr>
-            <a:spLocks noGrp="1" noRot="1" noChangeAspect="1" noMove="1" noResize="1" noEditPoints="1" noAdjustHandles="1" noChangeArrowheads="1" noChangeShapeType="1" noTextEdit="1"/>
-          </p:cNvSpPr>
-          <p:nvPr>
-            <p:extLst>
-              <p:ext uri="{386F3935-93C4-4BCD-93E2-E3B085C9AB24}">
-                <p16:designElem xmlns:p16="http://schemas.microsoft.com/office/powerpoint/2015/main" val="1"/>
-              </p:ext>
-            </p:extLst>
-          </p:nvPr>
-        </p:nvSpPr>
-        <p:spPr>
-          <a:xfrm>
-            <a:off x="5276090" y="642795"/>
-            <a:ext cx="6272654" cy="5575126"/>
-          </a:xfrm>
-          <a:prstGeom prst="rect">
-            <a:avLst/>
-          </a:prstGeom>
-          <a:solidFill>
-            <a:schemeClr val="bg1"/>
-          </a:solidFill>
-          <a:ln>
-            <a:noFill/>
-          </a:ln>
-          <a:effectLst>
-            <a:outerShdw blurRad="76200" dist="63500" dir="5040000" algn="t" rotWithShape="0">
-              <a:prstClr val="black">
-                <a:alpha val="41000"/>
-              </a:prstClr>
-            </a:outerShdw>
-          </a:effectLst>
-        </p:spPr>
-        <p:style>
-          <a:lnRef idx="2">
-            <a:schemeClr val="accent1">
-              <a:shade val="50000"/>
-            </a:schemeClr>
-          </a:lnRef>
-          <a:fillRef idx="1">
-            <a:schemeClr val="accent1"/>
-          </a:fillRef>
-          <a:effectRef idx="0">
-            <a:schemeClr val="accent1"/>
-          </a:effectRef>
-          <a:fontRef idx="minor">
-            <a:schemeClr val="lt1"/>
-          </a:fontRef>
-        </p:style>
-        <p:txBody>
-          <a:bodyPr rtlCol="0" anchor="ctr"/>
-          <a:lstStyle/>
-          <a:p>
-            <a:pPr algn="ctr"/>
-            <a:endParaRPr lang="en-US"/>
           </a:p>
         </p:txBody>
       </p:sp>
@@ -22635,8 +22599,8 @@
         </p:blipFill>
         <p:spPr>
           <a:xfrm>
-            <a:off x="5593085" y="1314628"/>
-            <a:ext cx="5629268" cy="4221950"/>
+            <a:off x="5284606" y="1081139"/>
+            <a:ext cx="6260963" cy="4695721"/>
           </a:xfrm>
           <a:prstGeom prst="rect">
             <a:avLst/>
@@ -22644,7 +22608,13 @@
           <a:ln>
             <a:noFill/>
           </a:ln>
-          <a:effectLst/>
+          <a:effectLst>
+            <a:outerShdw blurRad="76200" dist="63500" dir="5040000" algn="tl" rotWithShape="0">
+              <a:srgbClr val="000000">
+                <a:alpha val="41000"/>
+              </a:srgbClr>
+            </a:outerShdw>
+          </a:effectLst>
         </p:spPr>
       </p:pic>
     </p:spTree>
@@ -22655,7 +22625,7 @@
     </p:extLst>
   </p:cSld>
   <p:clrMapOvr>
-    <a:overrideClrMapping bg1="lt1" tx1="dk1" bg2="lt2" tx2="dk2" accent1="accent1" accent2="accent2" accent3="accent3" accent4="accent4" accent5="accent5" accent6="accent6" hlink="hlink" folHlink="folHlink"/>
+    <a:masterClrMapping/>
   </p:clrMapOvr>
 </p:sld>
 </file>
@@ -22763,7 +22733,7 @@
         </p:blipFill>
         <p:spPr>
           <a:xfrm>
-            <a:off x="6333067" y="2458720"/>
+            <a:off x="6519725" y="2458720"/>
             <a:ext cx="4991954" cy="3743965"/>
           </a:xfrm>
           <a:prstGeom prst="rect">
